--- a/Presentation.pptx
+++ b/Presentation.pptx
@@ -11,7 +11,9 @@
     <p:sldId id="258" r:id="rId5"/>
     <p:sldId id="259" r:id="rId6"/>
     <p:sldId id="262" r:id="rId7"/>
-    <p:sldId id="260" r:id="rId8"/>
+    <p:sldId id="263" r:id="rId8"/>
+    <p:sldId id="264" r:id="rId9"/>
+    <p:sldId id="260" r:id="rId10"/>
   </p:sldIdLst>
   <p:sldSz cx="12192000" cy="6858000"/>
   <p:notesSz cx="6858000" cy="9144000"/>
@@ -6682,8 +6684,8 @@
         </p:blipFill>
         <p:spPr>
           <a:xfrm>
-            <a:off x="0" y="0"/>
-            <a:ext cx="12191999" cy="6906163"/>
+            <a:off x="1005643" y="807308"/>
+            <a:ext cx="9283416" cy="5258595"/>
           </a:xfrm>
         </p:spPr>
       </p:pic>
@@ -6708,6 +6710,353 @@
 </file>
 
 <file path=ppt/slides/slide7.xml><?xml version="1.0" encoding="utf-8"?>
+<p:sld xmlns:a="http://schemas.openxmlformats.org/drawingml/2006/main" xmlns:r="http://schemas.openxmlformats.org/officeDocument/2006/relationships" xmlns:p="http://schemas.openxmlformats.org/presentationml/2006/main">
+  <p:cSld>
+    <p:spTree>
+      <p:nvGrpSpPr>
+        <p:cNvPr id="1" name=""/>
+        <p:cNvGrpSpPr/>
+        <p:nvPr/>
+      </p:nvGrpSpPr>
+      <p:grpSpPr>
+        <a:xfrm>
+          <a:off x="0" y="0"/>
+          <a:ext cx="0" cy="0"/>
+          <a:chOff x="0" y="0"/>
+          <a:chExt cx="0" cy="0"/>
+        </a:xfrm>
+      </p:grpSpPr>
+      <p:sp>
+        <p:nvSpPr>
+          <p:cNvPr id="2" name="Tytuł 1"/>
+          <p:cNvSpPr>
+            <a:spLocks noGrp="1"/>
+          </p:cNvSpPr>
+          <p:nvPr>
+            <p:ph type="title"/>
+          </p:nvPr>
+        </p:nvSpPr>
+        <p:spPr/>
+        <p:txBody>
+          <a:bodyPr/>
+          <a:lstStyle/>
+          <a:p>
+            <a:pPr algn="ctr"/>
+            <a:r>
+              <a:rPr lang="pl-PL" dirty="0" smtClean="0"/>
+              <a:t>Przykładowe zadanie:</a:t>
+            </a:r>
+            <a:endParaRPr lang="pl-PL" dirty="0"/>
+          </a:p>
+        </p:txBody>
+      </p:sp>
+      <p:sp>
+        <p:nvSpPr>
+          <p:cNvPr id="3" name="Symbol zastępczy zawartości 2"/>
+          <p:cNvSpPr>
+            <a:spLocks noGrp="1"/>
+          </p:cNvSpPr>
+          <p:nvPr>
+            <p:ph idx="1"/>
+          </p:nvPr>
+        </p:nvSpPr>
+        <p:spPr>
+          <a:xfrm>
+            <a:off x="1891588" y="1853248"/>
+            <a:ext cx="8946541" cy="4395151"/>
+          </a:xfrm>
+        </p:spPr>
+        <p:txBody>
+          <a:bodyPr>
+            <a:normAutofit/>
+          </a:bodyPr>
+          <a:lstStyle/>
+          <a:p>
+            <a:pPr>
+              <a:buFont typeface="Arial" panose="020B0604020202020204" pitchFamily="34" charset="0"/>
+              <a:buChar char="•"/>
+            </a:pPr>
+            <a:r>
+              <a:rPr lang="pl-PL" dirty="0"/>
+              <a:t>Parę aplikacji, w tym </a:t>
+            </a:r>
+            <a:r>
+              <a:rPr lang="pl-PL" dirty="0" smtClean="0"/>
+              <a:t>webowa</a:t>
+            </a:r>
+            <a:endParaRPr lang="pl-PL" dirty="0"/>
+          </a:p>
+          <a:p>
+            <a:pPr marL="0" indent="0">
+              <a:buNone/>
+            </a:pPr>
+            <a:endParaRPr lang="pl-PL" dirty="0" smtClean="0"/>
+          </a:p>
+          <a:p>
+            <a:pPr>
+              <a:buFont typeface="Arial" panose="020B0604020202020204" pitchFamily="34" charset="0"/>
+              <a:buChar char="•"/>
+            </a:pPr>
+            <a:r>
+              <a:rPr lang="pl-PL" dirty="0" smtClean="0"/>
+              <a:t>Zbiór wspólnych akcji, jak autentykacja użytkowników i logowanie</a:t>
+            </a:r>
+          </a:p>
+          <a:p>
+            <a:pPr>
+              <a:buFont typeface="Arial" panose="020B0604020202020204" pitchFamily="34" charset="0"/>
+              <a:buChar char="•"/>
+            </a:pPr>
+            <a:endParaRPr lang="pl-PL" dirty="0" smtClean="0"/>
+          </a:p>
+          <a:p>
+            <a:pPr>
+              <a:buFont typeface="Arial" panose="020B0604020202020204" pitchFamily="34" charset="0"/>
+              <a:buChar char="•"/>
+            </a:pPr>
+            <a:r>
+              <a:rPr lang="pl-PL" dirty="0" smtClean="0"/>
+              <a:t>Brak ustaleń co do bazy danych</a:t>
+            </a:r>
+          </a:p>
+          <a:p>
+            <a:pPr>
+              <a:buFont typeface="Arial" panose="020B0604020202020204" pitchFamily="34" charset="0"/>
+              <a:buChar char="•"/>
+            </a:pPr>
+            <a:endParaRPr lang="pl-PL" dirty="0"/>
+          </a:p>
+          <a:p>
+            <a:pPr>
+              <a:buFont typeface="Arial" panose="020B0604020202020204" pitchFamily="34" charset="0"/>
+              <a:buChar char="•"/>
+            </a:pPr>
+            <a:r>
+              <a:rPr lang="pl-PL" dirty="0" smtClean="0"/>
+              <a:t>Moduły: web, domena, baza</a:t>
+            </a:r>
+          </a:p>
+          <a:p>
+            <a:pPr>
+              <a:buFont typeface="Arial" panose="020B0604020202020204" pitchFamily="34" charset="0"/>
+              <a:buChar char="•"/>
+            </a:pPr>
+            <a:endParaRPr lang="pl-PL" dirty="0"/>
+          </a:p>
+          <a:p>
+            <a:pPr>
+              <a:buFont typeface="Arial" panose="020B0604020202020204" pitchFamily="34" charset="0"/>
+              <a:buChar char="•"/>
+            </a:pPr>
+            <a:r>
+              <a:rPr lang="pl-PL" dirty="0"/>
+              <a:t>Różne formaty logów zależne od projektu, oraz </a:t>
+            </a:r>
+            <a:r>
+              <a:rPr lang="pl-PL" dirty="0" smtClean="0"/>
+              <a:t>wykonywanej akcji</a:t>
+            </a:r>
+            <a:endParaRPr lang="pl-PL" dirty="0"/>
+          </a:p>
+          <a:p>
+            <a:pPr>
+              <a:buFont typeface="Arial" panose="020B0604020202020204" pitchFamily="34" charset="0"/>
+              <a:buChar char="•"/>
+            </a:pPr>
+            <a:endParaRPr lang="pl-PL" dirty="0"/>
+          </a:p>
+        </p:txBody>
+      </p:sp>
+    </p:spTree>
+    <p:extLst>
+      <p:ext uri="{BB962C8B-B14F-4D97-AF65-F5344CB8AC3E}">
+        <p14:creationId xmlns:p14="http://schemas.microsoft.com/office/powerpoint/2010/main" val="3016888424"/>
+      </p:ext>
+    </p:extLst>
+  </p:cSld>
+  <p:clrMapOvr>
+    <a:masterClrMapping/>
+  </p:clrMapOvr>
+  <p:timing>
+    <p:tnLst>
+      <p:par>
+        <p:cTn id="1" dur="indefinite" restart="never" nodeType="tmRoot"/>
+      </p:par>
+    </p:tnLst>
+  </p:timing>
+</p:sld>
+</file>
+
+<file path=ppt/slides/slide8.xml><?xml version="1.0" encoding="utf-8"?>
+<p:sld xmlns:a="http://schemas.openxmlformats.org/drawingml/2006/main" xmlns:r="http://schemas.openxmlformats.org/officeDocument/2006/relationships" xmlns:p="http://schemas.openxmlformats.org/presentationml/2006/main">
+  <p:cSld>
+    <p:spTree>
+      <p:nvGrpSpPr>
+        <p:cNvPr id="1" name=""/>
+        <p:cNvGrpSpPr/>
+        <p:nvPr/>
+      </p:nvGrpSpPr>
+      <p:grpSpPr>
+        <a:xfrm>
+          <a:off x="0" y="0"/>
+          <a:ext cx="0" cy="0"/>
+          <a:chOff x="0" y="0"/>
+          <a:chExt cx="0" cy="0"/>
+        </a:xfrm>
+      </p:grpSpPr>
+      <p:sp>
+        <p:nvSpPr>
+          <p:cNvPr id="2" name="Tytuł 1"/>
+          <p:cNvSpPr>
+            <a:spLocks noGrp="1"/>
+          </p:cNvSpPr>
+          <p:nvPr>
+            <p:ph type="title"/>
+          </p:nvPr>
+        </p:nvSpPr>
+        <p:spPr/>
+        <p:txBody>
+          <a:bodyPr/>
+          <a:lstStyle/>
+          <a:p>
+            <a:pPr algn="ctr"/>
+            <a:r>
+              <a:rPr lang="pl-PL" dirty="0" smtClean="0"/>
+              <a:t>Przykładowe zadanie cd:</a:t>
+            </a:r>
+            <a:endParaRPr lang="pl-PL" dirty="0"/>
+          </a:p>
+        </p:txBody>
+      </p:sp>
+      <p:sp>
+        <p:nvSpPr>
+          <p:cNvPr id="3" name="Symbol zastępczy zawartości 2"/>
+          <p:cNvSpPr>
+            <a:spLocks noGrp="1"/>
+          </p:cNvSpPr>
+          <p:nvPr>
+            <p:ph idx="1"/>
+          </p:nvPr>
+        </p:nvSpPr>
+        <p:spPr>
+          <a:xfrm>
+            <a:off x="1891588" y="1853248"/>
+            <a:ext cx="8946541" cy="4395151"/>
+          </a:xfrm>
+        </p:spPr>
+        <p:txBody>
+          <a:bodyPr>
+            <a:normAutofit/>
+          </a:bodyPr>
+          <a:lstStyle/>
+          <a:p>
+            <a:pPr>
+              <a:buFont typeface="Arial" panose="020B0604020202020204" pitchFamily="34" charset="0"/>
+              <a:buChar char="•"/>
+            </a:pPr>
+            <a:r>
+              <a:rPr lang="pl-PL" dirty="0" smtClean="0"/>
+              <a:t>Niezależna praca zespołów nad modułami</a:t>
+            </a:r>
+          </a:p>
+          <a:p>
+            <a:pPr marL="0" indent="0">
+              <a:buNone/>
+            </a:pPr>
+            <a:endParaRPr lang="pl-PL" dirty="0" smtClean="0"/>
+          </a:p>
+          <a:p>
+            <a:pPr>
+              <a:buFont typeface="Arial" panose="020B0604020202020204" pitchFamily="34" charset="0"/>
+              <a:buChar char="•"/>
+            </a:pPr>
+            <a:r>
+              <a:rPr lang="pl-PL" dirty="0" smtClean="0"/>
+              <a:t>Brak cyklicznych zależności (vide domena – baza)</a:t>
+            </a:r>
+          </a:p>
+          <a:p>
+            <a:pPr>
+              <a:buFont typeface="Arial" panose="020B0604020202020204" pitchFamily="34" charset="0"/>
+              <a:buChar char="•"/>
+            </a:pPr>
+            <a:endParaRPr lang="pl-PL" dirty="0" smtClean="0"/>
+          </a:p>
+          <a:p>
+            <a:pPr>
+              <a:buFont typeface="Arial" panose="020B0604020202020204" pitchFamily="34" charset="0"/>
+              <a:buChar char="•"/>
+            </a:pPr>
+            <a:r>
+              <a:rPr lang="pl-PL" dirty="0" smtClean="0"/>
+              <a:t>Automatyczne formaty logów</a:t>
+            </a:r>
+          </a:p>
+          <a:p>
+            <a:pPr>
+              <a:buFont typeface="Arial" panose="020B0604020202020204" pitchFamily="34" charset="0"/>
+              <a:buChar char="•"/>
+            </a:pPr>
+            <a:endParaRPr lang="pl-PL" dirty="0"/>
+          </a:p>
+          <a:p>
+            <a:pPr>
+              <a:buFont typeface="Arial" panose="020B0604020202020204" pitchFamily="34" charset="0"/>
+              <a:buChar char="•"/>
+            </a:pPr>
+            <a:r>
+              <a:rPr lang="pl-PL" dirty="0" smtClean="0"/>
+              <a:t>Własne formaty logów</a:t>
+            </a:r>
+          </a:p>
+          <a:p>
+            <a:pPr>
+              <a:buFont typeface="Arial" panose="020B0604020202020204" pitchFamily="34" charset="0"/>
+              <a:buChar char="•"/>
+            </a:pPr>
+            <a:endParaRPr lang="pl-PL" dirty="0"/>
+          </a:p>
+          <a:p>
+            <a:pPr>
+              <a:buFont typeface="Arial" panose="020B0604020202020204" pitchFamily="34" charset="0"/>
+              <a:buChar char="•"/>
+            </a:pPr>
+            <a:r>
+              <a:rPr lang="pl-PL" dirty="0" smtClean="0"/>
+              <a:t>Brak potrzeby pamiętania o budowie mechanizmu logowania</a:t>
+            </a:r>
+            <a:endParaRPr lang="pl-PL" dirty="0"/>
+          </a:p>
+          <a:p>
+            <a:pPr>
+              <a:buFont typeface="Arial" panose="020B0604020202020204" pitchFamily="34" charset="0"/>
+              <a:buChar char="•"/>
+            </a:pPr>
+            <a:endParaRPr lang="pl-PL" dirty="0"/>
+          </a:p>
+        </p:txBody>
+      </p:sp>
+    </p:spTree>
+    <p:extLst>
+      <p:ext uri="{BB962C8B-B14F-4D97-AF65-F5344CB8AC3E}">
+        <p14:creationId xmlns:p14="http://schemas.microsoft.com/office/powerpoint/2010/main" val="3047183156"/>
+      </p:ext>
+    </p:extLst>
+  </p:cSld>
+  <p:clrMapOvr>
+    <a:masterClrMapping/>
+  </p:clrMapOvr>
+  <p:timing>
+    <p:tnLst>
+      <p:par>
+        <p:cTn id="1" dur="indefinite" restart="never" nodeType="tmRoot"/>
+      </p:par>
+    </p:tnLst>
+  </p:timing>
+</p:sld>
+</file>
+
+<file path=ppt/slides/slide9.xml><?xml version="1.0" encoding="utf-8"?>
 <p:sld xmlns:a="http://schemas.openxmlformats.org/drawingml/2006/main" xmlns:r="http://schemas.openxmlformats.org/officeDocument/2006/relationships" xmlns:p="http://schemas.openxmlformats.org/presentationml/2006/main">
   <p:cSld>
     <p:spTree>
